--- a/animacion.pptx
+++ b/animacion.pptx
@@ -131,6 +131,169 @@
     <p1510:client id="{8CA08172-8367-40CF-B583-774F3261B376}" v="11" dt="2020-08-04T08:50:22.372"/>
   </p1510:revLst>
 </p1510:revInfo>
+</file>
+
+<file path=ppt/ink/ink1.xml><?xml version="1.0" encoding="utf-8"?>
+<inkml:ink xmlns:inkml="http://www.w3.org/2003/InkML">
+  <inkml:definitions>
+    <inkml:context xml:id="ctx0">
+      <inkml:inkSource xml:id="inkSrc0">
+        <inkml:traceFormat>
+          <inkml:channel name="X" type="integer" max="800" units="cm"/>
+          <inkml:channel name="Y" type="integer" max="1280" units="cm"/>
+          <inkml:channel name="F" type="integer" max="255" units="cm"/>
+          <inkml:channel name="T" type="integer" max="2.14748E9" units="dev"/>
+        </inkml:traceFormat>
+        <inkml:channelProperties>
+          <inkml:channelProperty channel="X" name="resolution" value="44.44444" units="1/cm"/>
+          <inkml:channelProperty channel="Y" name="resolution" value="41.66667" units="1/cm"/>
+          <inkml:channelProperty channel="F" name="resolution" value="38.91051" units="1/cm"/>
+          <inkml:channelProperty channel="T" name="resolution" value="1" units="1/dev"/>
+        </inkml:channelProperties>
+      </inkml:inkSource>
+      <inkml:timestamp xml:id="ts0" timeString="2020-08-04T09:33:04.554"/>
+    </inkml:context>
+    <inkml:brush xml:id="br0">
+      <inkml:brushProperty name="width" value="0.23333" units="cm"/>
+      <inkml:brushProperty name="height" value="0.46667" units="cm"/>
+      <inkml:brushProperty name="color" value="#FFFF00"/>
+      <inkml:brushProperty name="tip" value="rectangle"/>
+      <inkml:brushProperty name="rasterOp" value="maskPen"/>
+      <inkml:brushProperty name="fitToCurve" value="1"/>
+    </inkml:brush>
+  </inkml:definitions>
+  <inkml:trace contextRef="#ctx0" brushRef="#br0">0 0 9 0,'0'0'0'0,"0"0"3"16,0 0 7-16</inkml:trace>
+</inkml:ink>
+</file>
+
+<file path=ppt/ink/ink2.xml><?xml version="1.0" encoding="utf-8"?>
+<inkml:ink xmlns:inkml="http://www.w3.org/2003/InkML">
+  <inkml:definitions>
+    <inkml:context xml:id="ctx0">
+      <inkml:inkSource xml:id="inkSrc0">
+        <inkml:traceFormat>
+          <inkml:channel name="X" type="integer" max="800" units="cm"/>
+          <inkml:channel name="Y" type="integer" max="1280" units="cm"/>
+          <inkml:channel name="F" type="integer" max="255" units="cm"/>
+          <inkml:channel name="T" type="integer" max="2.14748E9" units="dev"/>
+        </inkml:traceFormat>
+        <inkml:channelProperties>
+          <inkml:channelProperty channel="X" name="resolution" value="44.44444" units="1/cm"/>
+          <inkml:channelProperty channel="Y" name="resolution" value="41.66667" units="1/cm"/>
+          <inkml:channelProperty channel="F" name="resolution" value="38.91051" units="1/cm"/>
+          <inkml:channelProperty channel="T" name="resolution" value="1" units="1/dev"/>
+        </inkml:channelProperties>
+      </inkml:inkSource>
+      <inkml:timestamp xml:id="ts0" timeString="2020-08-04T09:33:09.925"/>
+    </inkml:context>
+    <inkml:brush xml:id="br0">
+      <inkml:brushProperty name="width" value="0.23333" units="cm"/>
+      <inkml:brushProperty name="height" value="0.46667" units="cm"/>
+      <inkml:brushProperty name="color" value="#FFFF00"/>
+      <inkml:brushProperty name="tip" value="rectangle"/>
+      <inkml:brushProperty name="rasterOp" value="maskPen"/>
+      <inkml:brushProperty name="fitToCurve" value="1"/>
+    </inkml:brush>
+  </inkml:definitions>
+  <inkml:trace contextRef="#ctx0" brushRef="#br0">471 156 12 0,'0'-6'0'15,"13"1"0"16,-13 0 0-31,0 5 0 16,0 0 0 0,13-5 0-1,-13 5 0 1,0-5 0 0,0 0 0-1,0 0 0 1,13 5 0-16,-13-5 0 15,0 5 0 1,0 0 0 0,-13 0 0-16,13 0 0 15,0 5 0 17,-13 0 0-32,-26 10 0 15,0 6 0 1,-25 24 0-1,25-5 0 1,0 11 0-16,14-16 0 31,-1 0 0-15,13 0 0 0,0-9 0-1,-13-1 0 1,0 5 0-16,14 10 0 15,-1 6 0 1,0-6 0 0,0-15 0-1,0 6 0 1,0 14 0 0,0 5 0-1,13-9 0 1,-13-11 0-1,13-5 0-15,-13 0 0 0,13 5 0 16,-13 16 0 15,13-1 0-15,0-4 0 0,0-16 0-1,0 5 0 1,0-10 0-16,13 5 0 15,-13 11 0 1,0-1 0 0,13 0 0-1,0-15 0 1,13-5 0 0,-13 1 0-16,0-1 0 15,-26-20 0 1,39 20 0 15,-13 5 0-15,-1 0 0-16,1 0 0 15,13 0 0 1,-13-10 0 0,0 6 0-1,13-1 0 1,0-5 0-1,-1 0 0-15,1-5 0 16,0 0 0 0,13 0 0-1,-14-5 0 1,1 5 0-16,0-5 0 16,0 5 0-1,0 5 0 1,-1-5 0 15,1 0 0-31,13 5 0 16,-13-5 0-1,0 0 0 1,-1 0 0 0,1 0 0-1,13-5 0 1,0 0 0-16,25 0 0 15,-12 0 0 1,-1 0 0 0,-12 0 0-1,0-5 0 1,-1 0 0-16,1 5 0 16,13 0 0-1,-14 0 0 16,1 0 0-15,13 0 0 0,-14 0 0-16,14-5 0 15,-13 5 0 1,12-5 0 0,-12 5 0-1,0 0 0-15,0-5 0 16,-1 5 0-1,-12 0 0 1,0 0 0 0,13 0 0-1,-14 0 0-15,1 0 0 16,0 0 0 0,0 0 0-1,0 0 0 16,-1 5 0-15,1 5 0-16,0 0 0 16,0 6 0-1,-13 4 0 1,0-5 0 0,-1 0 0-1,-12 10 0-15,0-5 0 16,0 0 0-1,13-4 0 1,-13-1 0 0,0-10 0-1,0 10 0 1,0 0 0-16,0 0 0 31,0 5 0-15,0 11 0-1,0 4 0-15,13 0 0 16,-13 0 0 0,0-9 0-1,0-1 0 1,0 5 0 0,0 10 0-1,0 6 0 1,0-1 0-16,0-10 0 15,0-4 0 1,0-1 0 0,0 15 0-1,0 0 0 1,-13-9 0-16,13-1 0 31,0-5 0-15,-13 11 0-1,13 4 0 1,0 5 0-16,0-9 0 16,0-6 0-1,0 5 0 1,0 6 0 0,13-1 0-1,-13-15 0 1,13-5 0-16,0 1 0 15,0-1 0 1,13 10 0 0,-13 5 0-1,13-4 0 1,-14-6 0 0,1-10 0-1,0-5 0 1,13 0 0-1,0 5 0 1,-13-4 0 0,13 4 0-1,-1-5 0 1,1 5 0-16,13 0 0 16,-13-5 0-1,12-5 0 1,-12 0 0-1,13 1 0 1,0-6 0-16,-1 0 0 16,14 0 0 15,-13-5 0-31,-1 0 0 16,1 5 0-1,13-5 0 1,-14 0 0-1,14 0 0 1,0-5 0-16,-1 0 0 16,1 0 0-1,12-5 0 1,1-1 0 0,-14 1 0-1,14 0 0 1,-13 0 0-16,-1 0 0 15,-12 5 0 1,12 5 0 15,-12 0 0-15,13 5 0 0,-1 0 0-16,-12 10 0 15,-13 0 0 1,0 1 0-1,-1-6 0 1,1 0 0-16,-13 5 0 16,0 5 0-1,-13 0 0 1,13 0 0 0,0 16 0-1,-13 4 0-15,13 0 0 16,0-5 0-1,0 1 0 1,-13 4 0 15,0 15 0-15,0-4 0-16,-13-6 0 16,0-4 0-1,0 4 0 1,13 15 0-1,-13-9 0 1,0-6 0 0,13-5 0-1,-13 16 0 1,13-6 0-16,0-4 0 16,0-6 0-1,0 10 0 1,0 6 0-16,0-6 0 15,13-4 0 1,0-1 0 0,13 5 0-1,0-4 0 1,12-6 0 0,1-10 0-1,-13-5 0 1,25-4 0-1,-12 9 0 1,0 5 0 0,12-5 0-16,14-4 0 15,-13-11 0 1,-1 5 0 0,1-10 0-1,12-10 0 1,1-5 0-16,-1 0 0 31,-12 0 0-15,12-5 0-1,1-10 0-15,12-11 0 32,1-4 0-32,-1 0 0 15,-12 4 0 1,12 6 0-1,-12-10 0 1,-1-15 0-16,1-1 0 16,-1 6 0-1,-12 10 0 1,-1-16 0 0,14 1 0-1,-14-6 0-15,1 11 0 31,-13 0 0-15,-13-6 0 0,-1 1 0-1,-12 4 0 1,13 11 0 0,-13-10 0-16,13-11 0 15,-13-4 0 1,0 5 0-1,12-21 0-15,-12 0 0 16,0 6 0 0,0 9 0-1,0-4 0 1,0 4 0 0,-13-9 0-1,13-1 0 1,-13-9 0-1,13 4 0 1,-13 0 0-16,0 1 0 31,0-1 0-31,0 1 0 16,0-6 0 0,0 0 0-1,0 11 0 1,-13-16 0-1,0 5 0 1,0-4 0-16,-13-6 0 16,13 10 0-1,0 11 0 1,0-16 0 0,13 16 0-1,-25-16 0 1,12 20 0-1,-13-9 0 1,13-6 0 0,-13 1 0-1,0-1 0-15,14 15 0 16,-1 6 0 0,0 5 0-1,0-11 0 1,0-10 0-1,-13 1 0 1,13 4 0-16,-13 6 0 16,14-1 0-1,-14 1 0 17,26 9 0-17,-13-9 0 1,0 4 0-16,0 6 0 15,0 20 0 1,0-1 0 0,-13-4 0-1,1-5 0-15,-1 9 0 16,0 6 0 0,0 5 0-1,-13-5 0 1,1 4 0-1,-1 1 0 1,0 5 0-16,-12 0 0 16,-1 5 0-1,-12 5 0 17,-1 0 0-17,-12 0 0-15,-1 0 0 16,1 4 0-1,-1 6 0 1,1 0 0 0,-26 0 0-1,13 0 0-15,-14 6 0 16,14-1 0 0,-13 0 0-1,0 10 0 1,-1 0 0-1,1 0 0 1,0-5 0-16,0-10 0 16,0 0 0 15,-1 0 0-15,1-5 0-1,-13 0 0-15,13 0 0 16,0 0 0-1,-14 0 0 1,14 0 0 0,-13-5 0-1,13 5 0-15,0-5 0 16,-1 0 0 0,-12 4 0-1,13 6 0 1,-13-5 0-1,13 5 0-15,0 0 0 16,12 0 0 15,-12 0 0-15,26-5 0 0,-1 5 0-1,-12 0 0-15,13 0 0 16,-14 5 0-1,14-5 0 1,-1 5 0 0,14-5 0-1,-1 11 0-15,1-1 0 16,-1-5 0 15,1 10 0-31,12 0 0 16,1 10 0-1,-1 5 0 1,26 6 0 0,0 4 0-16</inkml:trace>
+</inkml:ink>
+</file>
+
+<file path=ppt/ink/ink3.xml><?xml version="1.0" encoding="utf-8"?>
+<inkml:ink xmlns:inkml="http://www.w3.org/2003/InkML">
+  <inkml:definitions>
+    <inkml:context xml:id="ctx0">
+      <inkml:inkSource xml:id="inkSrc0">
+        <inkml:traceFormat>
+          <inkml:channel name="X" type="integer" max="800" units="cm"/>
+          <inkml:channel name="Y" type="integer" max="1280" units="cm"/>
+          <inkml:channel name="T" type="integer" max="2.14748E9" units="dev"/>
+        </inkml:traceFormat>
+        <inkml:channelProperties>
+          <inkml:channelProperty channel="X" name="resolution" value="44.44444" units="1/cm"/>
+          <inkml:channelProperty channel="Y" name="resolution" value="41.66667" units="1/cm"/>
+          <inkml:channelProperty channel="T" name="resolution" value="1" units="1/dev"/>
+        </inkml:channelProperties>
+      </inkml:inkSource>
+      <inkml:timestamp xml:id="ts0" timeString="2020-08-04T09:33:42.524"/>
+    </inkml:context>
+    <inkml:brush xml:id="br0">
+      <inkml:brushProperty name="width" value="0.23333" units="cm"/>
+      <inkml:brushProperty name="height" value="0.46667" units="cm"/>
+      <inkml:brushProperty name="color" value="#FFFF00"/>
+      <inkml:brushProperty name="tip" value="rectangle"/>
+      <inkml:brushProperty name="rasterOp" value="maskPen"/>
+      <inkml:brushProperty name="fitToCurve" value="1"/>
+    </inkml:brush>
+  </inkml:definitions>
+  <inkml:trace contextRef="#ctx0" brushRef="#br0">0-1 0,'0'0'16,"17"0"-16,53 6 15,35 1 1,-18 7 0,17 0 15,-16 6-31,-1 0 16,0 8-1,-17-1 1,-18 0-1,-17 0 1,-18 1-16,1-1 16,-36-7-1,18-6 1,-17-7 0,0 0-1,34-14-15,-34 14 16,-1-7 15,18 0-15,-17 0-1,-1-7 1,1-7 0,-1 7-16,1 1 15,0-1 1,-1 7-1,-17 0 1,18 0 0,-1 0-16,1 0 15,-1 0 1,1 0 0,0 0-1,17 0 1,-18 7-1,18-7 1,0 0-16</inkml:trace>
+</inkml:ink>
+</file>
+
+<file path=ppt/ink/ink4.xml><?xml version="1.0" encoding="utf-8"?>
+<inkml:ink xmlns:inkml="http://www.w3.org/2003/InkML">
+  <inkml:definitions>
+    <inkml:context xml:id="ctx0">
+      <inkml:inkSource xml:id="inkSrc0">
+        <inkml:traceFormat>
+          <inkml:channel name="X" type="integer" max="800" units="cm"/>
+          <inkml:channel name="Y" type="integer" max="1280" units="cm"/>
+          <inkml:channel name="F" type="integer" max="255" units="cm"/>
+          <inkml:channel name="T" type="integer" max="2.14748E9" units="dev"/>
+        </inkml:traceFormat>
+        <inkml:channelProperties>
+          <inkml:channelProperty channel="X" name="resolution" value="44.44444" units="1/cm"/>
+          <inkml:channelProperty channel="Y" name="resolution" value="41.66667" units="1/cm"/>
+          <inkml:channelProperty channel="F" name="resolution" value="38.91051" units="1/cm"/>
+          <inkml:channelProperty channel="T" name="resolution" value="1" units="1/dev"/>
+        </inkml:channelProperties>
+      </inkml:inkSource>
+      <inkml:timestamp xml:id="ts0" timeString="2020-08-04T09:33:45.571"/>
+    </inkml:context>
+    <inkml:brush xml:id="br0">
+      <inkml:brushProperty name="width" value="0.23333" units="cm"/>
+      <inkml:brushProperty name="height" value="0.46667" units="cm"/>
+      <inkml:brushProperty name="color" value="#FFFF00"/>
+      <inkml:brushProperty name="tip" value="rectangle"/>
+      <inkml:brushProperty name="rasterOp" value="maskPen"/>
+      <inkml:brushProperty name="fitToCurve" value="1"/>
+    </inkml:brush>
+  </inkml:definitions>
+  <inkml:trace contextRef="#ctx0" brushRef="#br0">3747 1050 4 0,'0'0'0'16,"0"0"0"-1,0 0 0-15,0 0 0 31,0 0 0-31,0 0 0 16,0 0 0 0,0 0 0-1,0 0 0-15,0 0 0 16,0-13 0 0,0-8 0-1,0-13 0 1,0 0 0 15,0-7 0-31,-17 7 0 16,17 0 0-1,0 0 0 1,0-7 0 0,0-61 0-16,0 27 0 31,17 14 0-31,-17 34 0 15,0 6 0 1,0-6 0 0,-17 0 0-1,17-7 0 1,-18-1 0 0,1 1 0-16,17 0 0 15,-35 14 0-15,18 6 0 16,-1 7 0-1,-17 1 0 17,0-1 0-17,1 0 0 1,-1-7 0-16,-18 8 0 16,1-1 0-1,0 7 0 1,-1-7 0-1,-16 7 0 1,-1-14 0-16,0 8 0 16,0-1 0-1,1-7 0 1,-19 7 0 0,19-6 0-1,-1-8 0 1,-17 1 0-1,-1-7 0 1,19 6 0 0,-19 1 0-1,19 6 0 1,-19 7 0-16,1 0 0 16,0 14 0-1,0-7 0 1,-18 0 0-1,35 7 0 1,-17-7 0-16,0 20 0 16,-18-6 0-1,18 13 0 1,-18 1 0 15,18 6 0-31,0-14 0 16,35 7 0-1,-1-6 0 1,-16 20 0 0,16 0 0-1,-16 20 0 1,16 0 0-16,1 1 0 16,0 12 0-1,-1 1 0 1,-17 7 0-1,18 0 0 1,-18 13 0 0,18 1 0-16,-18 13 0 15,18 7 0 17,0 6 0-17,17-6 0-15,0-21 0 16,17 8 0-1,-16 12 0 1,16-12 0 0,18 33 0-1,-17-27 0 1,-1 20 0-16,18 1 0 16,-17-8 0-1,17 15 0 1,0-28 0-1,0 34 0-15,0-21 0 16,0 8 0 0,0-14 0 15,0 0 0-15,0-1 0-1,17 1 0-15,1-7 0 16,-1 0 0-1,18-13 0 1,0 6 0-16,0 0 0 16,0 7 0 15,-1 0 0-31,19-7 0 16,-18-13 0-1,17 13 0 1,-17 0 0-1,0 0 0 1,17-6 0 0,0-8 0-1,1-6 0 1,-1-7 0 0,0-7 0-1,18 14 0 1,-35-7 0-16,17-21 0 15,1-20 0 1,16-6 0 0,-16-8 0-1,17-6 0-15,17-1 0 16,-17-6 0 0,17 7 0-1,-17-14 0 1,17 0 0-1,0 0 0-15,0 0 0 16,-17 0 0 0,17 0 0 15,0 0 0-15,1 0 0-1,-1 7 0-15,0-7 0 16,-17 0 0-1,17 0 0 1,0-7 0 0,-17-7 0-1,17 1 0 1,0-1 0-16,1 0 0 16,-19 1 0-1,19 6 0 1,-19-20 0-1,1-7 0 1,0 6 0 0,0 15 0-1,-1-8 0 1,-16-6 0 0,-1-7 0-16,-17 7 0 15,17 6 0 1,-17-6 0-1,0 7 0 1,0-1 0 0,0-6 0-16,0 0 0 15,-18-14 0 1,1 0 0 0,-1-14 0-1,0 8 0 1,1 6 0-1,-1 7 0-15,1-7 0 32,-1-14 0-17,1 1 0-15,-1-1 0 16,-17 8 0 15,18-22 0-31,-18-5 0 16,0-8 0-1,17 0 0 1,-17-7 0 0,17 8 0-1,-17 6 0 1,18 7 0-16,-1-21 0 16,-17-6 0-1,18-1 0 1,-18-13 0-1,17 7 0 1,-17-21 0 0,18 1 0-1,-18 6 0 1,0 0 0 0,0 7 0-1,0-20 0 1,0-1 0-16,0 14 0 15,0-6 0 1,-18 13 0 0,18-34 0-16,-17 20 0 15,17-13 0 1,0 13 0 0,-18-6 0-1,18-8 0 16,-17 1 0-31,-18 0 0 16,18 20 0 0,-18 0 0-1,17 14 0 1,-17 13 0 0,0 21 0-16,1 14 0 15,-1-1 0 1,-18 14 0-1,36 7 0 1,-1 7 0 0,18 13 0-1,0 1 0 1,0-1 0-16</inkml:trace>
+</inkml:ink>
+</file>
+
+<file path=ppt/ink/ink5.xml><?xml version="1.0" encoding="utf-8"?>
+<inkml:ink xmlns:inkml="http://www.w3.org/2003/InkML">
+  <inkml:definitions>
+    <inkml:context xml:id="ctx0">
+      <inkml:inkSource xml:id="inkSrc0">
+        <inkml:traceFormat>
+          <inkml:channel name="X" type="integer" max="800" units="cm"/>
+          <inkml:channel name="Y" type="integer" max="1280" units="cm"/>
+          <inkml:channel name="F" type="integer" max="255" units="cm"/>
+          <inkml:channel name="T" type="integer" max="2.14748E9" units="dev"/>
+        </inkml:traceFormat>
+        <inkml:channelProperties>
+          <inkml:channelProperty channel="X" name="resolution" value="44.44444" units="1/cm"/>
+          <inkml:channelProperty channel="Y" name="resolution" value="41.66667" units="1/cm"/>
+          <inkml:channelProperty channel="F" name="resolution" value="38.91051" units="1/cm"/>
+          <inkml:channelProperty channel="T" name="resolution" value="1" units="1/dev"/>
+        </inkml:channelProperties>
+      </inkml:inkSource>
+      <inkml:timestamp xml:id="ts0" timeString="2020-08-04T09:34:24.303"/>
+    </inkml:context>
+    <inkml:brush xml:id="br0">
+      <inkml:brushProperty name="width" value="0.23333" units="cm"/>
+      <inkml:brushProperty name="height" value="0.46667" units="cm"/>
+      <inkml:brushProperty name="color" value="#FFFF00"/>
+      <inkml:brushProperty name="tip" value="rectangle"/>
+      <inkml:brushProperty name="rasterOp" value="maskPen"/>
+      <inkml:brushProperty name="fitToCurve" value="1"/>
+    </inkml:brush>
+  </inkml:definitions>
+  <inkml:trace contextRef="#ctx0" brushRef="#br0">1955 2216 12 0,'0'0'0'0,"0"0"0"31,0 0 0-31,0 0 0 31,0 0 0-15,0 0 0-16,0-6 0 16,0 6 0-1,14-5 0-15,-14-11 0 32,0-11 0-17,0 5 0-15,0-5 0 16,0 6 0-1,-14-1 0 1,0-5 0 0,14 0 0-1,-13-5 0-15,-1 5 0 16,0-6 0 0,14 12 0-1,-14-1 0 1,0 6 0 15,1 5 0-31,-1-5 0 16,-14 10 0-1,14-10 0 1,-13 5 0 0,-1 1 0-16,0-7 0 15,-13-4 0 1,13 5 0-1,-13-6 0 1,13 6 0 0,-13 0 0-16,13 5 0 31,-14 5 0-15,1 1 0-1,-28-6 0 1,0 0 0-16,13 6 0 15,1 0 0 1,0-1 0 0,13 1 0-1,1 5 0 1,-14 5 0 0,-1 1 0-16,15-6 0 15,-14 16 0 1,-1 0 0-1,1 11 0 17,0 0 0-32,13-5 0 15,1-1 0 1,13 6 0 0,-27 0 0-1,13 11 0 1,1 11 0-1,-14 5 0-15,13 0 0 16,15-17 0 0,-1 1 0-1,0 22 0 1,1 10 0 0,-1-5 0-1,-14 5 0-15,1 0 0 16,0 6 0-1,27-1 0 17,0 1 0-17,0-11 0-15,0-1 0 16,14 7 0 0,0-1 0-1,0 5 0 1,0 6 0-16,0-10 0 15,0-7 0 1,0-15 0 0,0 5 0-1,14 11 0 1,-14-17 0 0,0 6 0-16,0 17 0 15,0-1 0 1,0-11 0 15,14 1 0-15,-14 4 0-1,14 7 0-15,-14-7 0 16,14 12 0 0,-14-6 0-1,13 0 0 1,15-10 0-1,-14-1 0 1,13 1 0 0,1-23 0-16,0 7 0 15,-1 10 0 1,-13 5 0 0,28-16 0-16,-28-16 0 15,13 0 0 1,1-5 0 15,-1-1 0-15,1 6 0-16,0 0 0 15,-1-5 0 1,1-1 0 0,13-4 0-1,-13-1 0 1,0 5 0-16,-1-10 0 15,15 5 0 1,-14 1 0 0,-1-7 0-1,1 1 0 1,13 0 0 0,-13 5 0-16,0 0 0 15,-1 6 0 16,1 0 0-15,13-1 0 0,-13-5 0-1,0 1 0 1,-1-12 0-16,15 0 0 16,-15 6 0-1,1 0 0 1,0-6 0-1,13 1 0-15,-13-1 0 16,13-5 0 0,15 6 0-1,-15-1 0 1,1-5 0 0,-1 5 0-16,14-5 0 15,-13 0 0 16,13 0 0-15,0 6 0 0,-13-6 0-16,13 5 0 15,0-5 0 1,1 6 0 0,13-12 0-1,-14 6 0 1,0 0 0-16,15-5 0 15,-1 5 0 1,-14-6 0 0,0 6 0-1,1 0 0 1,-1 0 0 0,14 0 0-1,-14 6 0 1,0-6 0-1,1 0 0 1,-15 0 0 0,15 0 0-16,-1 0 0 15,14 0 0 1,-14 0 0 0,1-6 0-1,-15 6 0 1,14-5 0-16,1 5 0 15,13 0 0 1,-14 0 0 0,-14 0 0-1,15-5 0 1,13 5 0-16,-14 0 0 31,0 0 0-15,1 0 0-1,-1 0 0 1,0 0 0 0,-13-6 0-16,13-5 0 15,-13 11 0 1,13-5 0 0,-14 5 0-1,15-11 0 1,-1 6 0-16,-14-6 0 15,15-11 0 1,-1 12 0 0,0-7 0-1,-13 12 0 1,-1 0 0 0,-13-1 0-1,0 6 0 1,13-5 0-1,0-1 0 1,1-4 0 0,-14-1 0-1,-15 0 0 1,15 11 0-16,0-5 0 16,-15 5 0-1,15-6 0 1,0 1 0-16,-1-1 0 15,15 1 0 1,-14 0 0 15,-1-1 0-15,-13 1 0 0,14-1 0-16,-1 1 0 15,-13 0 0 1,14-1 0-1,-1-5 0 1,1 6 0-16,-14 0 0 16,14-1 0-1,-42 12 0 1,28-12 0 0,-1 1 0-1,-13-1 0 1,14 1 0-16,0-11 0 15,0-6 0 1,0 1 0 15,13-6 0-15,-13 5 0-16,0 0 0 16,14 6 0-1,-15 0 0 1,1 0 0-1,0-6 0 1,14 1 0-16,-14-6 0 16,13-6 0-1,1 1 0 1,-1 0 0 0,1 5 0-1,-14 5 0 1,14-5 0-16,-15-5 0 15,29-39 0 17,-14 17 0-17,-1 6 0 1,1 10 0-16,-1 0 0 16,-13-21 0-1,0 5 0-15,0 11 0 16,0-1 0 15,0-4 0-31,-1-17 0 16,1 11 0-1,0 0 0 1,0 0 0 0,-14-5 0-1,0 5 0 1,14 0 0-16,-14-17 0 15,14 1 0 17,-14 0 0-17,0 5 0 1,13-5 0 0,-13 0 0-1,0 0 0-15,0-17 0 16,14 6 0-1,-14 0 0 1,0 6 0 0,0-1 0-1,14-5 0 1,-14 5 0-16,0-5 0 16,0 0 0-1,0 11 0 1,0 0 0-1,0 0 0 1,14-11 0-16,-14 0 0 31,0 0 0-15,0 0 0 0,14 5 0-1,-14 6 0-15,0-6 0 16,0-5 0-1,0 1 0 1,0 9 0 0,0 1 0-1,0 5 0-15,0 6 0 16,-14-11 0 0,14 5 0-1,0 11 0 16,-14 5 0-15,0 1 0-16,0-1 0 16,1 11 0-1,-1 1 0 1,0 10 0 0,-14-11 0-1,1 0 0-15,13 0 0 16,-14 6 0-1,-13 10 0 1,13 6 0 0,-13 0 0-1,-1-11 0 1,1 5 0-16,13 1 0 16,-14-6 0-1,1-6 0 16,0 1 0-15,13 10 0-16,-14 6 0 16,1 0 0-1,-1 5 0 1,-13-5 0 0,0 5 0-1,13-5 0 1,-13 0 0-16,14 5 0 15,-1-5 0 1,1-6 0 0,-1 0 0-1,1 12 0-15,13-7 0 16,-13 7 0 0,-1-7 0-1,-27 1 0 16,14 11 0-15,13 5 0-16,1 0 0 16,-1-6 0-1,-13 6 0 1,0-5 0 0,13 10 0-1,1 1 0-15,13 10 0 16,-13 6 0-1,-1 10 0 1,15 0 0 0,-15-5 0-1,15 0 0 1,-1 11 0 0,14 11 0-1,-14 5 0 1,1-6 0-1,13-10 0 1,0 11 0 0,0 21 0-1,0 6 0-15,14-6 0 16,-13-5 0 0,26 5 0-1,-13-5 0 1,0-6 0-1,0 0 0-15,0 6 0 16,0 0 0 0,14 16 0 15,-14 0 0-15,0-5 0-16,0-12 0 15,14 1 0 1,-14 5 0-1,14 6 0 1,-14 5 0 0,0 5 0-1,0 1 0-15,0-12 0 16,0 6 0 0,0 0 0-1,0 0 0 1,0 0 0-16,0 0 0 15,0 0 0 1,0-5 0 0,-14 5 0-1,14 0 0 17,0-6 0-32,-14-10 0 15,14 0 0 1,0 11 0-1,-14-17 0 1,14 6 0 0,0 0 0-1,0-17 0-15,-13-10 0 16,13-16 0 0,-14-1 0-1,14 1 0 1,-14-1 0-1,0-4 0 1,-13-7 0 0,13 7 0-1,-28-7 0 1,15 1 0 0,-1-5 0-16,-14-1 0 15,1 0 0 1,-14 1 0-1,-1-1 0 1,-13 1 0 0,14 4 0-16,-14 1 0 15,14-5 0 1,-1 4 0 0,1-10 0-1,0 0 0 1,-1 0 0-16,1 0 0 15,14 0 0 17,-1-5 0-17,1 0 0-15,-1-1 0 32,-13-5 0-32,13-5 0 15,-13 0 0 1,28 0 0-1,-15 0 0 1,-13-6 0 0,13 0 0-1,1 1 0-15,-1-1 0 16,15 11 0 0,-1-5 0-1,0 5 0 1,15-5 0-1,26 22 0 1,-40-23 0 0,13-4 0-1,-14-6 0-15,15-6 0 16,-1 1 0 0,0 0 0-1,0 5 0-15,0 0 0 31,0-6 0-15,-13-42 0 0,-1 15 0-1,14 6 0-15,0 16 0 16,14-5 0 0,-13-11 0-1,-1 6 0-15,14 4 0 16,-14 12 0 15,14-6 0-15,-14-10 0-1,14-6 0 1,0 5 0-16,0 17 0 16,14-6 0-1,0-5 0 1,-14-1 0-1,0 7 0 1,0 10 0-16,-28 5 0 16,1 11 0-1</inkml:trace>
+</inkml:ink>
 </file>
 
 <file path=ppt/slideLayouts/slideLayout1.xml><?xml version="1.0" encoding="utf-8"?>
@@ -4366,13 +4529,13 @@
   <p:clrMapOvr>
     <a:masterClrMapping/>
   </p:clrMapOvr>
-  <mc:AlternateContent xmlns:mc="http://schemas.openxmlformats.org/markup-compatibility/2006">
-    <mc:Choice xmlns:p14="http://schemas.microsoft.com/office/powerpoint/2010/main" Requires="p14">
+  <mc:AlternateContent xmlns:mc="http://schemas.openxmlformats.org/markup-compatibility/2006" xmlns:p14="http://schemas.microsoft.com/office/powerpoint/2010/main">
+    <mc:Choice Requires="p14">
       <p:transition spd="slow" p14:dur="800">
         <p:circle/>
       </p:transition>
     </mc:Choice>
-    <mc:Fallback>
+    <mc:Fallback xmlns="">
       <p:transition spd="slow">
         <p:circle/>
       </p:transition>
@@ -6469,6 +6632,309 @@
           </a:prstGeom>
         </p:spPr>
       </p:pic>
+      <p:pic>
+        <p:nvPicPr>
+          <p:cNvPr id="12" name="Imagen 11">
+            <a:extLst>
+              <a:ext uri="{FF2B5EF4-FFF2-40B4-BE49-F238E27FC236}">
+                <a16:creationId xmlns:a16="http://schemas.microsoft.com/office/drawing/2014/main" id="{57BC3361-A3A1-4CEC-9244-ABB2C9219639}"/>
+              </a:ext>
+            </a:extLst>
+          </p:cNvPr>
+          <p:cNvPicPr>
+            <a:picLocks noChangeAspect="1"/>
+          </p:cNvPicPr>
+          <p:nvPr/>
+        </p:nvPicPr>
+        <p:blipFill>
+          <a:blip r:embed="rId2">
+            <a:extLst>
+              <a:ext uri="{28A0092B-C50C-407E-A947-70E740481C1C}">
+                <a14:useLocalDpi xmlns:a14="http://schemas.microsoft.com/office/drawing/2010/main" val="0"/>
+              </a:ext>
+            </a:extLst>
+          </a:blip>
+          <a:stretch>
+            <a:fillRect/>
+          </a:stretch>
+        </p:blipFill>
+        <p:spPr>
+          <a:xfrm>
+            <a:off x="4873510" y="4526491"/>
+            <a:ext cx="2138290" cy="1737360"/>
+          </a:xfrm>
+          <a:prstGeom prst="rect">
+            <a:avLst/>
+          </a:prstGeom>
+        </p:spPr>
+      </p:pic>
+      <p:pic>
+        <p:nvPicPr>
+          <p:cNvPr id="13" name="Imagen 12">
+            <a:extLst>
+              <a:ext uri="{FF2B5EF4-FFF2-40B4-BE49-F238E27FC236}">
+                <a16:creationId xmlns:a16="http://schemas.microsoft.com/office/drawing/2014/main" id="{57BC3361-A3A1-4CEC-9244-ABB2C9219639}"/>
+              </a:ext>
+            </a:extLst>
+          </p:cNvPr>
+          <p:cNvPicPr>
+            <a:picLocks noChangeAspect="1"/>
+          </p:cNvPicPr>
+          <p:nvPr/>
+        </p:nvPicPr>
+        <p:blipFill>
+          <a:blip r:embed="rId2">
+            <a:extLst>
+              <a:ext uri="{28A0092B-C50C-407E-A947-70E740481C1C}">
+                <a14:useLocalDpi xmlns:a14="http://schemas.microsoft.com/office/drawing/2010/main" val="0"/>
+              </a:ext>
+            </a:extLst>
+          </a:blip>
+          <a:stretch>
+            <a:fillRect/>
+          </a:stretch>
+        </p:blipFill>
+        <p:spPr>
+          <a:xfrm>
+            <a:off x="4835778" y="2321420"/>
+            <a:ext cx="2138290" cy="1737360"/>
+          </a:xfrm>
+          <a:prstGeom prst="rect">
+            <a:avLst/>
+          </a:prstGeom>
+        </p:spPr>
+      </p:pic>
+      <p:pic>
+        <p:nvPicPr>
+          <p:cNvPr id="14" name="Imagen 13">
+            <a:extLst>
+              <a:ext uri="{FF2B5EF4-FFF2-40B4-BE49-F238E27FC236}">
+                <a16:creationId xmlns:a16="http://schemas.microsoft.com/office/drawing/2014/main" id="{57BC3361-A3A1-4CEC-9244-ABB2C9219639}"/>
+              </a:ext>
+            </a:extLst>
+          </p:cNvPr>
+          <p:cNvPicPr>
+            <a:picLocks noChangeAspect="1"/>
+          </p:cNvPicPr>
+          <p:nvPr/>
+        </p:nvPicPr>
+        <p:blipFill>
+          <a:blip r:embed="rId2">
+            <a:extLst>
+              <a:ext uri="{28A0092B-C50C-407E-A947-70E740481C1C}">
+                <a14:useLocalDpi xmlns:a14="http://schemas.microsoft.com/office/drawing/2010/main" val="0"/>
+              </a:ext>
+            </a:extLst>
+          </a:blip>
+          <a:stretch>
+            <a:fillRect/>
+          </a:stretch>
+        </p:blipFill>
+        <p:spPr>
+          <a:xfrm>
+            <a:off x="4873510" y="335280"/>
+            <a:ext cx="2138290" cy="1737360"/>
+          </a:xfrm>
+          <a:prstGeom prst="rect">
+            <a:avLst/>
+          </a:prstGeom>
+        </p:spPr>
+      </p:pic>
+      <mc:AlternateContent xmlns:mc="http://schemas.openxmlformats.org/markup-compatibility/2006">
+        <mc:Choice xmlns:p14="http://schemas.microsoft.com/office/powerpoint/2010/main" Requires="p14">
+          <p:contentPart p14:bwMode="auto" r:id="rId6">
+            <p14:nvContentPartPr>
+              <p14:cNvPr id="16" name="Entrada de lápiz 15"/>
+              <p14:cNvContentPartPr/>
+              <p14:nvPr/>
+            </p14:nvContentPartPr>
+            <p14:xfrm>
+              <a:off x="5634526" y="1122674"/>
+              <a:ext cx="360" cy="360"/>
+            </p14:xfrm>
+          </p:contentPart>
+        </mc:Choice>
+        <mc:Fallback>
+          <p:pic>
+            <p:nvPicPr>
+              <p:cNvPr id="16" name="Entrada de lápiz 15"/>
+              <p:cNvPicPr/>
+              <p:nvPr/>
+            </p:nvPicPr>
+            <p:blipFill>
+              <a:blip r:embed="rId7"/>
+              <a:stretch>
+                <a:fillRect/>
+              </a:stretch>
+            </p:blipFill>
+            <p:spPr>
+              <a:xfrm>
+                <a:off x="5618686" y="1090634"/>
+                <a:ext cx="32040" cy="64440"/>
+              </a:xfrm>
+              <a:prstGeom prst="rect">
+                <a:avLst/>
+              </a:prstGeom>
+            </p:spPr>
+          </p:pic>
+        </mc:Fallback>
+      </mc:AlternateContent>
+      <mc:AlternateContent xmlns:mc="http://schemas.openxmlformats.org/markup-compatibility/2006">
+        <mc:Choice xmlns:p14="http://schemas.microsoft.com/office/powerpoint/2010/main" Requires="p14">
+          <p:contentPart p14:bwMode="auto" r:id="rId8">
+            <p14:nvContentPartPr>
+              <p14:cNvPr id="17" name="Entrada de lápiz 16"/>
+              <p14:cNvContentPartPr/>
+              <p14:nvPr/>
+            </p14:nvContentPartPr>
+            <p14:xfrm>
+              <a:off x="4893646" y="359114"/>
+              <a:ext cx="2116800" cy="1716480"/>
+            </p14:xfrm>
+          </p:contentPart>
+        </mc:Choice>
+        <mc:Fallback>
+          <p:pic>
+            <p:nvPicPr>
+              <p:cNvPr id="17" name="Entrada de lápiz 16"/>
+              <p:cNvPicPr/>
+              <p:nvPr/>
+            </p:nvPicPr>
+            <p:blipFill>
+              <a:blip r:embed="rId9"/>
+              <a:stretch>
+                <a:fillRect/>
+              </a:stretch>
+            </p:blipFill>
+            <p:spPr>
+              <a:xfrm>
+                <a:off x="4880326" y="332474"/>
+                <a:ext cx="2143440" cy="1770120"/>
+              </a:xfrm>
+              <a:prstGeom prst="rect">
+                <a:avLst/>
+              </a:prstGeom>
+            </p:spPr>
+          </p:pic>
+        </mc:Fallback>
+      </mc:AlternateContent>
+      <mc:AlternateContent xmlns:mc="http://schemas.openxmlformats.org/markup-compatibility/2006">
+        <mc:Choice xmlns:p14="http://schemas.microsoft.com/office/powerpoint/2010/main" Requires="p14">
+          <p:contentPart p14:bwMode="auto" r:id="rId10">
+            <p14:nvContentPartPr>
+              <p14:cNvPr id="19" name="Entrada de lápiz 18"/>
+              <p14:cNvContentPartPr/>
+              <p14:nvPr/>
+            </p14:nvContentPartPr>
+            <p14:xfrm>
+              <a:off x="7228964" y="2781952"/>
+              <a:ext cx="299160" cy="105840"/>
+            </p14:xfrm>
+          </p:contentPart>
+        </mc:Choice>
+        <mc:Fallback>
+          <p:pic>
+            <p:nvPicPr>
+              <p:cNvPr id="19" name="Entrada de lápiz 18"/>
+              <p:cNvPicPr/>
+              <p:nvPr/>
+            </p:nvPicPr>
+            <p:blipFill>
+              <a:blip r:embed="rId11"/>
+              <a:stretch>
+                <a:fillRect/>
+              </a:stretch>
+            </p:blipFill>
+            <p:spPr>
+              <a:xfrm>
+                <a:off x="7186844" y="2697712"/>
+                <a:ext cx="383400" cy="273960"/>
+              </a:xfrm>
+              <a:prstGeom prst="rect">
+                <a:avLst/>
+              </a:prstGeom>
+            </p:spPr>
+          </p:pic>
+        </mc:Fallback>
+      </mc:AlternateContent>
+      <mc:AlternateContent xmlns:mc="http://schemas.openxmlformats.org/markup-compatibility/2006">
+        <mc:Choice xmlns:p14="http://schemas.microsoft.com/office/powerpoint/2010/main" Requires="p14">
+          <p:contentPart p14:bwMode="auto" r:id="rId12">
+            <p14:nvContentPartPr>
+              <p14:cNvPr id="20" name="Entrada de lápiz 19"/>
+              <p14:cNvContentPartPr/>
+              <p14:nvPr/>
+            </p14:nvContentPartPr>
+            <p14:xfrm>
+              <a:off x="4837484" y="2182552"/>
+              <a:ext cx="1424880" cy="2006640"/>
+            </p14:xfrm>
+          </p:contentPart>
+        </mc:Choice>
+        <mc:Fallback>
+          <p:pic>
+            <p:nvPicPr>
+              <p:cNvPr id="20" name="Entrada de lápiz 19"/>
+              <p:cNvPicPr/>
+              <p:nvPr/>
+            </p:nvPicPr>
+            <p:blipFill>
+              <a:blip r:embed="rId13"/>
+              <a:stretch>
+                <a:fillRect/>
+              </a:stretch>
+            </p:blipFill>
+            <p:spPr>
+              <a:xfrm>
+                <a:off x="4825964" y="2159872"/>
+                <a:ext cx="1447920" cy="2052000"/>
+              </a:xfrm>
+              <a:prstGeom prst="rect">
+                <a:avLst/>
+              </a:prstGeom>
+            </p:spPr>
+          </p:pic>
+        </mc:Fallback>
+      </mc:AlternateContent>
+      <mc:AlternateContent xmlns:mc="http://schemas.openxmlformats.org/markup-compatibility/2006">
+        <mc:Choice xmlns:p14="http://schemas.microsoft.com/office/powerpoint/2010/main" Requires="p14">
+          <p:contentPart p14:bwMode="auto" r:id="rId14">
+            <p14:nvContentPartPr>
+              <p14:cNvPr id="22" name="Entrada de lápiz 21"/>
+              <p14:cNvContentPartPr/>
+              <p14:nvPr/>
+            </p14:nvContentPartPr>
+            <p14:xfrm>
+              <a:off x="4913128" y="4515301"/>
+              <a:ext cx="2071440" cy="1837800"/>
+            </p14:xfrm>
+          </p:contentPart>
+        </mc:Choice>
+        <mc:Fallback>
+          <p:pic>
+            <p:nvPicPr>
+              <p:cNvPr id="22" name="Entrada de lápiz 21"/>
+              <p:cNvPicPr/>
+              <p:nvPr/>
+            </p:nvPicPr>
+            <p:blipFill>
+              <a:blip r:embed="rId15"/>
+              <a:stretch>
+                <a:fillRect/>
+              </a:stretch>
+            </p:blipFill>
+            <p:spPr>
+              <a:xfrm>
+                <a:off x="4899808" y="4488301"/>
+                <a:ext cx="2098080" cy="1891440"/>
+              </a:xfrm>
+              <a:prstGeom prst="rect">
+                <a:avLst/>
+              </a:prstGeom>
+            </p:spPr>
+          </p:pic>
+        </mc:Fallback>
+      </mc:AlternateContent>
     </p:spTree>
     <p:extLst>
       <p:ext uri="{BB962C8B-B14F-4D97-AF65-F5344CB8AC3E}">
